--- a/Courses/Applied-Programmer/Programming-Fundamentals/06-Многомерни-масиви/26. Многомерни-масиви-назъбени масиви.pptx
+++ b/Courses/Applied-Programmer/Programming-Fundamentals/06-Многомерни-масиви/26. Многомерни-масиви-назъбени масиви.pptx
@@ -335,7 +335,7 @@
             <a:fld id="{FE5B4EDC-59C0-49C7-8ADA-5A781B329E02}" type="datetimeFigureOut">
               <a:rPr lang="en-US"/>
               <a:pPr/>
-              <a:t>19-Nov-20</a:t>
+              <a:t>21-Nov-20</a:t>
             </a:fld>
             <a:endParaRPr dirty="0"/>
           </a:p>
@@ -633,7 +633,7 @@
             <a:fld id="{F2D8D46A-B586-417D-BFBD-8C8FE0AAF762}" type="datetimeFigureOut">
               <a:rPr lang="en-US" smtClean="0"/>
               <a:pPr/>
-              <a:t>19-Nov-20</a:t>
+              <a:t>21-Nov-20</a:t>
             </a:fld>
             <a:endParaRPr lang="en-US" dirty="0"/>
           </a:p>
@@ -6350,6 +6350,85 @@
   <p:clrMapOvr>
     <a:masterClrMapping/>
   </p:clrMapOvr>
+  <p:timing>
+    <p:tnLst>
+      <p:par>
+        <p:cTn id="1" dur="indefinite" restart="never" nodeType="tmRoot">
+          <p:childTnLst>
+            <p:seq concurrent="1" nextAc="seek">
+              <p:cTn id="2" dur="indefinite" nodeType="mainSeq">
+                <p:childTnLst>
+                  <p:par>
+                    <p:cTn id="3" fill="hold">
+                      <p:stCondLst>
+                        <p:cond delay="indefinite"/>
+                      </p:stCondLst>
+                      <p:childTnLst>
+                        <p:par>
+                          <p:cTn id="4" fill="hold">
+                            <p:stCondLst>
+                              <p:cond delay="0"/>
+                            </p:stCondLst>
+                            <p:childTnLst>
+                              <p:par>
+                                <p:cTn id="5" presetID="1" presetClass="entr" presetSubtype="0" fill="hold" nodeType="clickEffect">
+                                  <p:stCondLst>
+                                    <p:cond delay="0"/>
+                                  </p:stCondLst>
+                                  <p:childTnLst>
+                                    <p:set>
+                                      <p:cBhvr>
+                                        <p:cTn id="6" dur="1" fill="hold">
+                                          <p:stCondLst>
+                                            <p:cond delay="0"/>
+                                          </p:stCondLst>
+                                        </p:cTn>
+                                        <p:tgtEl>
+                                          <p:spTgt spid="7">
+                                            <p:txEl>
+                                              <p:pRg st="1" end="1"/>
+                                            </p:txEl>
+                                          </p:spTgt>
+                                        </p:tgtEl>
+                                        <p:attrNameLst>
+                                          <p:attrName>style.visibility</p:attrName>
+                                        </p:attrNameLst>
+                                      </p:cBhvr>
+                                      <p:to>
+                                        <p:strVal val="visible"/>
+                                      </p:to>
+                                    </p:set>
+                                  </p:childTnLst>
+                                </p:cTn>
+                              </p:par>
+                            </p:childTnLst>
+                          </p:cTn>
+                        </p:par>
+                      </p:childTnLst>
+                    </p:cTn>
+                  </p:par>
+                </p:childTnLst>
+              </p:cTn>
+              <p:prevCondLst>
+                <p:cond evt="onPrev" delay="0">
+                  <p:tgtEl>
+                    <p:sldTgt/>
+                  </p:tgtEl>
+                </p:cond>
+              </p:prevCondLst>
+              <p:nextCondLst>
+                <p:cond evt="onNext" delay="0">
+                  <p:tgtEl>
+                    <p:sldTgt/>
+                  </p:tgtEl>
+                </p:cond>
+              </p:nextCondLst>
+            </p:seq>
+          </p:childTnLst>
+        </p:cTn>
+      </p:par>
+    </p:tnLst>
+  </p:timing>
 </p:sld>
 </file>
 
@@ -7039,6 +7118,192 @@
   <p:clrMapOvr>
     <a:masterClrMapping/>
   </p:clrMapOvr>
+  <p:timing>
+    <p:tnLst>
+      <p:par>
+        <p:cTn id="1" dur="indefinite" restart="never" nodeType="tmRoot">
+          <p:childTnLst>
+            <p:seq concurrent="1" nextAc="seek">
+              <p:cTn id="2" dur="indefinite" nodeType="mainSeq">
+                <p:childTnLst>
+                  <p:par>
+                    <p:cTn id="3" fill="hold">
+                      <p:stCondLst>
+                        <p:cond delay="indefinite"/>
+                      </p:stCondLst>
+                      <p:childTnLst>
+                        <p:par>
+                          <p:cTn id="4" fill="hold">
+                            <p:stCondLst>
+                              <p:cond delay="0"/>
+                            </p:stCondLst>
+                            <p:childTnLst>
+                              <p:par>
+                                <p:cTn id="5" presetID="1" presetClass="entr" presetSubtype="0" fill="hold" nodeType="clickEffect">
+                                  <p:stCondLst>
+                                    <p:cond delay="0"/>
+                                  </p:stCondLst>
+                                  <p:childTnLst>
+                                    <p:set>
+                                      <p:cBhvr>
+                                        <p:cTn id="6" dur="1" fill="hold">
+                                          <p:stCondLst>
+                                            <p:cond delay="0"/>
+                                          </p:stCondLst>
+                                        </p:cTn>
+                                        <p:tgtEl>
+                                          <p:spTgt spid="3">
+                                            <p:txEl>
+                                              <p:pRg st="1" end="1"/>
+                                            </p:txEl>
+                                          </p:spTgt>
+                                        </p:tgtEl>
+                                        <p:attrNameLst>
+                                          <p:attrName>style.visibility</p:attrName>
+                                        </p:attrNameLst>
+                                      </p:cBhvr>
+                                      <p:to>
+                                        <p:strVal val="visible"/>
+                                      </p:to>
+                                    </p:set>
+                                  </p:childTnLst>
+                                </p:cTn>
+                              </p:par>
+                              <p:par>
+                                <p:cTn id="7" presetID="1" presetClass="entr" presetSubtype="0" fill="hold" grpId="0" nodeType="withEffect">
+                                  <p:stCondLst>
+                                    <p:cond delay="0"/>
+                                  </p:stCondLst>
+                                  <p:childTnLst>
+                                    <p:set>
+                                      <p:cBhvr>
+                                        <p:cTn id="8" dur="1" fill="hold">
+                                          <p:stCondLst>
+                                            <p:cond delay="0"/>
+                                          </p:stCondLst>
+                                        </p:cTn>
+                                        <p:tgtEl>
+                                          <p:spTgt spid="16"/>
+                                        </p:tgtEl>
+                                        <p:attrNameLst>
+                                          <p:attrName>style.visibility</p:attrName>
+                                        </p:attrNameLst>
+                                      </p:cBhvr>
+                                      <p:to>
+                                        <p:strVal val="visible"/>
+                                      </p:to>
+                                    </p:set>
+                                  </p:childTnLst>
+                                </p:cTn>
+                              </p:par>
+                            </p:childTnLst>
+                          </p:cTn>
+                        </p:par>
+                      </p:childTnLst>
+                    </p:cTn>
+                  </p:par>
+                  <p:par>
+                    <p:cTn id="9" fill="hold">
+                      <p:stCondLst>
+                        <p:cond delay="indefinite"/>
+                      </p:stCondLst>
+                      <p:childTnLst>
+                        <p:par>
+                          <p:cTn id="10" fill="hold">
+                            <p:stCondLst>
+                              <p:cond delay="0"/>
+                            </p:stCondLst>
+                            <p:childTnLst>
+                              <p:par>
+                                <p:cTn id="11" presetID="1" presetClass="entr" presetSubtype="0" fill="hold" nodeType="clickEffect">
+                                  <p:stCondLst>
+                                    <p:cond delay="0"/>
+                                  </p:stCondLst>
+                                  <p:childTnLst>
+                                    <p:set>
+                                      <p:cBhvr>
+                                        <p:cTn id="12" dur="1" fill="hold">
+                                          <p:stCondLst>
+                                            <p:cond delay="0"/>
+                                          </p:stCondLst>
+                                        </p:cTn>
+                                        <p:tgtEl>
+                                          <p:spTgt spid="3">
+                                            <p:txEl>
+                                              <p:pRg st="3" end="3"/>
+                                            </p:txEl>
+                                          </p:spTgt>
+                                        </p:tgtEl>
+                                        <p:attrNameLst>
+                                          <p:attrName>style.visibility</p:attrName>
+                                        </p:attrNameLst>
+                                      </p:cBhvr>
+                                      <p:to>
+                                        <p:strVal val="visible"/>
+                                      </p:to>
+                                    </p:set>
+                                  </p:childTnLst>
+                                </p:cTn>
+                              </p:par>
+                              <p:par>
+                                <p:cTn id="13" presetID="1" presetClass="entr" presetSubtype="0" fill="hold" grpId="0" nodeType="withEffect">
+                                  <p:stCondLst>
+                                    <p:cond delay="0"/>
+                                  </p:stCondLst>
+                                  <p:childTnLst>
+                                    <p:set>
+                                      <p:cBhvr>
+                                        <p:cTn id="14" dur="1" fill="hold">
+                                          <p:stCondLst>
+                                            <p:cond delay="0"/>
+                                          </p:stCondLst>
+                                        </p:cTn>
+                                        <p:tgtEl>
+                                          <p:spTgt spid="17"/>
+                                        </p:tgtEl>
+                                        <p:attrNameLst>
+                                          <p:attrName>style.visibility</p:attrName>
+                                        </p:attrNameLst>
+                                      </p:cBhvr>
+                                      <p:to>
+                                        <p:strVal val="visible"/>
+                                      </p:to>
+                                    </p:set>
+                                  </p:childTnLst>
+                                </p:cTn>
+                              </p:par>
+                            </p:childTnLst>
+                          </p:cTn>
+                        </p:par>
+                      </p:childTnLst>
+                    </p:cTn>
+                  </p:par>
+                </p:childTnLst>
+              </p:cTn>
+              <p:prevCondLst>
+                <p:cond evt="onPrev" delay="0">
+                  <p:tgtEl>
+                    <p:sldTgt/>
+                  </p:tgtEl>
+                </p:cond>
+              </p:prevCondLst>
+              <p:nextCondLst>
+                <p:cond evt="onNext" delay="0">
+                  <p:tgtEl>
+                    <p:sldTgt/>
+                  </p:tgtEl>
+                </p:cond>
+              </p:nextCondLst>
+            </p:seq>
+          </p:childTnLst>
+        </p:cTn>
+      </p:par>
+    </p:tnLst>
+    <p:bldLst>
+      <p:bldP spid="16" grpId="0" animBg="1"/>
+      <p:bldP spid="17" grpId="0" animBg="1"/>
+    </p:bldLst>
+  </p:timing>
 </p:sld>
 </file>
 
@@ -8126,9 +8391,6 @@
                     <p:cTn id="3" fill="hold">
                       <p:stCondLst>
                         <p:cond delay="indefinite"/>
-                        <p:cond evt="onBegin" delay="0">
-                          <p:tn val="2"/>
-                        </p:cond>
                       </p:stCondLst>
                       <p:childTnLst>
                         <p:par>
@@ -8138,7 +8400,7 @@
                             </p:stCondLst>
                             <p:childTnLst>
                               <p:par>
-                                <p:cTn id="5" presetID="1" presetClass="entr" presetSubtype="0" fill="hold" grpId="0" nodeType="withEffect">
+                                <p:cTn id="5" presetID="1" presetClass="entr" presetSubtype="0" fill="hold" grpId="0" nodeType="clickEffect">
                                   <p:stCondLst>
                                     <p:cond delay="0"/>
                                   </p:stCondLst>
@@ -8151,7 +8413,7 @@
                                           </p:stCondLst>
                                         </p:cTn>
                                         <p:tgtEl>
-                                          <p:spTgt spid="10"/>
+                                          <p:spTgt spid="6"/>
                                         </p:tgtEl>
                                         <p:attrNameLst>
                                           <p:attrName>style.visibility</p:attrName>
@@ -8178,7 +8440,115 @@
                                           </p:stCondLst>
                                         </p:cTn>
                                         <p:tgtEl>
+                                          <p:spTgt spid="10"/>
+                                        </p:tgtEl>
+                                        <p:attrNameLst>
+                                          <p:attrName>style.visibility</p:attrName>
+                                        </p:attrNameLst>
+                                      </p:cBhvr>
+                                      <p:to>
+                                        <p:strVal val="visible"/>
+                                      </p:to>
+                                    </p:set>
+                                  </p:childTnLst>
+                                </p:cTn>
+                              </p:par>
+                              <p:par>
+                                <p:cTn id="9" presetID="1" presetClass="entr" presetSubtype="0" fill="hold" grpId="0" nodeType="withEffect">
+                                  <p:stCondLst>
+                                    <p:cond delay="0"/>
+                                  </p:stCondLst>
+                                  <p:childTnLst>
+                                    <p:set>
+                                      <p:cBhvr>
+                                        <p:cTn id="10" dur="1" fill="hold">
+                                          <p:stCondLst>
+                                            <p:cond delay="0"/>
+                                          </p:stCondLst>
+                                        </p:cTn>
+                                        <p:tgtEl>
                                           <p:spTgt spid="13"/>
+                                        </p:tgtEl>
+                                        <p:attrNameLst>
+                                          <p:attrName>style.visibility</p:attrName>
+                                        </p:attrNameLst>
+                                      </p:cBhvr>
+                                      <p:to>
+                                        <p:strVal val="visible"/>
+                                      </p:to>
+                                    </p:set>
+                                  </p:childTnLst>
+                                </p:cTn>
+                              </p:par>
+                              <p:par>
+                                <p:cTn id="11" presetID="1" presetClass="entr" presetSubtype="0" fill="hold" nodeType="withEffect">
+                                  <p:stCondLst>
+                                    <p:cond delay="0"/>
+                                  </p:stCondLst>
+                                  <p:childTnLst>
+                                    <p:set>
+                                      <p:cBhvr>
+                                        <p:cTn id="12" dur="1" fill="hold">
+                                          <p:stCondLst>
+                                            <p:cond delay="0"/>
+                                          </p:stCondLst>
+                                        </p:cTn>
+                                        <p:tgtEl>
+                                          <p:spTgt spid="5"/>
+                                        </p:tgtEl>
+                                        <p:attrNameLst>
+                                          <p:attrName>style.visibility</p:attrName>
+                                        </p:attrNameLst>
+                                      </p:cBhvr>
+                                      <p:to>
+                                        <p:strVal val="visible"/>
+                                      </p:to>
+                                    </p:set>
+                                  </p:childTnLst>
+                                </p:cTn>
+                              </p:par>
+                              <p:par>
+                                <p:cTn id="13" presetID="1" presetClass="entr" presetSubtype="0" fill="hold" nodeType="withEffect">
+                                  <p:stCondLst>
+                                    <p:cond delay="0"/>
+                                  </p:stCondLst>
+                                  <p:childTnLst>
+                                    <p:set>
+                                      <p:cBhvr>
+                                        <p:cTn id="14" dur="1" fill="hold">
+                                          <p:stCondLst>
+                                            <p:cond delay="0"/>
+                                          </p:stCondLst>
+                                        </p:cTn>
+                                        <p:tgtEl>
+                                          <p:spTgt spid="11"/>
+                                        </p:tgtEl>
+                                        <p:attrNameLst>
+                                          <p:attrName>style.visibility</p:attrName>
+                                        </p:attrNameLst>
+                                      </p:cBhvr>
+                                      <p:to>
+                                        <p:strVal val="visible"/>
+                                      </p:to>
+                                    </p:set>
+                                  </p:childTnLst>
+                                </p:cTn>
+                              </p:par>
+                              <p:par>
+                                <p:cTn id="15" presetID="1" presetClass="entr" presetSubtype="0" fill="hold" nodeType="withEffect">
+                                  <p:stCondLst>
+                                    <p:cond delay="0"/>
+                                  </p:stCondLst>
+                                  <p:childTnLst>
+                                    <p:set>
+                                      <p:cBhvr>
+                                        <p:cTn id="16" dur="1" fill="hold">
+                                          <p:stCondLst>
+                                            <p:cond delay="0"/>
+                                          </p:stCondLst>
+                                        </p:cTn>
+                                        <p:tgtEl>
+                                          <p:spTgt spid="12"/>
                                         </p:tgtEl>
                                         <p:attrNameLst>
                                           <p:attrName>style.visibility</p:attrName>
@@ -8221,6 +8591,7 @@
     <p:bldLst>
       <p:bldP spid="10" grpId="0"/>
       <p:bldP spid="13" grpId="0"/>
+      <p:bldP spid="6" grpId="0" animBg="1"/>
     </p:bldLst>
   </p:timing>
 </p:sld>
@@ -9060,6 +9431,115 @@
     <a:masterClrMapping/>
   </p:clrMapOvr>
   <p:transition/>
+  <p:timing>
+    <p:tnLst>
+      <p:par>
+        <p:cTn id="1" dur="indefinite" restart="never" nodeType="tmRoot">
+          <p:childTnLst>
+            <p:seq concurrent="1" nextAc="seek">
+              <p:cTn id="2" dur="indefinite" nodeType="mainSeq">
+                <p:childTnLst>
+                  <p:par>
+                    <p:cTn id="3" fill="hold">
+                      <p:stCondLst>
+                        <p:cond delay="indefinite"/>
+                      </p:stCondLst>
+                      <p:childTnLst>
+                        <p:par>
+                          <p:cTn id="4" fill="hold">
+                            <p:stCondLst>
+                              <p:cond delay="0"/>
+                            </p:stCondLst>
+                            <p:childTnLst>
+                              <p:par>
+                                <p:cTn id="5" presetID="1" presetClass="entr" presetSubtype="0" fill="hold" nodeType="clickEffect">
+                                  <p:stCondLst>
+                                    <p:cond delay="0"/>
+                                  </p:stCondLst>
+                                  <p:childTnLst>
+                                    <p:set>
+                                      <p:cBhvr>
+                                        <p:cTn id="6" dur="1" fill="hold">
+                                          <p:stCondLst>
+                                            <p:cond delay="0"/>
+                                          </p:stCondLst>
+                                        </p:cTn>
+                                        <p:tgtEl>
+                                          <p:spTgt spid="428035">
+                                            <p:txEl>
+                                              <p:pRg st="3" end="3"/>
+                                            </p:txEl>
+                                          </p:spTgt>
+                                        </p:tgtEl>
+                                        <p:attrNameLst>
+                                          <p:attrName>style.visibility</p:attrName>
+                                        </p:attrNameLst>
+                                      </p:cBhvr>
+                                      <p:to>
+                                        <p:strVal val="visible"/>
+                                      </p:to>
+                                    </p:set>
+                                  </p:childTnLst>
+                                </p:cTn>
+                              </p:par>
+                              <p:par>
+                                <p:cTn id="7" presetID="1" presetClass="entr" presetSubtype="0" fill="hold" grpId="0" nodeType="withEffect">
+                                  <p:stCondLst>
+                                    <p:cond delay="0"/>
+                                  </p:stCondLst>
+                                  <p:childTnLst>
+                                    <p:set>
+                                      <p:cBhvr>
+                                        <p:cTn id="8" dur="1" fill="hold">
+                                          <p:stCondLst>
+                                            <p:cond delay="0"/>
+                                          </p:stCondLst>
+                                        </p:cTn>
+                                        <p:tgtEl>
+                                          <p:spTgt spid="6"/>
+                                        </p:tgtEl>
+                                        <p:attrNameLst>
+                                          <p:attrName>style.visibility</p:attrName>
+                                        </p:attrNameLst>
+                                      </p:cBhvr>
+                                      <p:to>
+                                        <p:strVal val="visible"/>
+                                      </p:to>
+                                    </p:set>
+                                  </p:childTnLst>
+                                </p:cTn>
+                              </p:par>
+                            </p:childTnLst>
+                          </p:cTn>
+                        </p:par>
+                      </p:childTnLst>
+                    </p:cTn>
+                  </p:par>
+                </p:childTnLst>
+              </p:cTn>
+              <p:prevCondLst>
+                <p:cond evt="onPrev" delay="0">
+                  <p:tgtEl>
+                    <p:sldTgt/>
+                  </p:tgtEl>
+                </p:cond>
+              </p:prevCondLst>
+              <p:nextCondLst>
+                <p:cond evt="onNext" delay="0">
+                  <p:tgtEl>
+                    <p:sldTgt/>
+                  </p:tgtEl>
+                </p:cond>
+              </p:nextCondLst>
+            </p:seq>
+          </p:childTnLst>
+        </p:cTn>
+      </p:par>
+    </p:tnLst>
+    <p:bldLst>
+      <p:bldP spid="6" grpId="0" animBg="1"/>
+    </p:bldLst>
+  </p:timing>
 </p:sld>
 </file>
 
@@ -9881,6 +10361,284 @@
   <p:clrMapOvr>
     <a:masterClrMapping/>
   </p:clrMapOvr>
+  <p:timing>
+    <p:tnLst>
+      <p:par>
+        <p:cTn id="1" dur="indefinite" restart="never" nodeType="tmRoot">
+          <p:childTnLst>
+            <p:seq concurrent="1" nextAc="seek">
+              <p:cTn id="2" dur="indefinite" nodeType="mainSeq">
+                <p:childTnLst>
+                  <p:par>
+                    <p:cTn id="3" fill="hold">
+                      <p:stCondLst>
+                        <p:cond delay="indefinite"/>
+                      </p:stCondLst>
+                      <p:childTnLst>
+                        <p:par>
+                          <p:cTn id="4" fill="hold">
+                            <p:stCondLst>
+                              <p:cond delay="0"/>
+                            </p:stCondLst>
+                            <p:childTnLst>
+                              <p:par>
+                                <p:cTn id="5" presetID="1" presetClass="entr" presetSubtype="0" fill="hold" nodeType="clickEffect">
+                                  <p:stCondLst>
+                                    <p:cond delay="0"/>
+                                  </p:stCondLst>
+                                  <p:childTnLst>
+                                    <p:set>
+                                      <p:cBhvr>
+                                        <p:cTn id="6" dur="1" fill="hold">
+                                          <p:stCondLst>
+                                            <p:cond delay="0"/>
+                                          </p:stCondLst>
+                                        </p:cTn>
+                                        <p:tgtEl>
+                                          <p:spTgt spid="3">
+                                            <p:txEl>
+                                              <p:pRg st="1" end="1"/>
+                                            </p:txEl>
+                                          </p:spTgt>
+                                        </p:tgtEl>
+                                        <p:attrNameLst>
+                                          <p:attrName>style.visibility</p:attrName>
+                                        </p:attrNameLst>
+                                      </p:cBhvr>
+                                      <p:to>
+                                        <p:strVal val="visible"/>
+                                      </p:to>
+                                    </p:set>
+                                  </p:childTnLst>
+                                </p:cTn>
+                              </p:par>
+                            </p:childTnLst>
+                          </p:cTn>
+                        </p:par>
+                      </p:childTnLst>
+                    </p:cTn>
+                  </p:par>
+                  <p:par>
+                    <p:cTn id="7" fill="hold">
+                      <p:stCondLst>
+                        <p:cond delay="indefinite"/>
+                      </p:stCondLst>
+                      <p:childTnLst>
+                        <p:par>
+                          <p:cTn id="8" fill="hold">
+                            <p:stCondLst>
+                              <p:cond delay="0"/>
+                            </p:stCondLst>
+                            <p:childTnLst>
+                              <p:par>
+                                <p:cTn id="9" presetID="1" presetClass="entr" presetSubtype="0" fill="hold" nodeType="clickEffect">
+                                  <p:stCondLst>
+                                    <p:cond delay="0"/>
+                                  </p:stCondLst>
+                                  <p:childTnLst>
+                                    <p:set>
+                                      <p:cBhvr>
+                                        <p:cTn id="10" dur="1" fill="hold">
+                                          <p:stCondLst>
+                                            <p:cond delay="0"/>
+                                          </p:stCondLst>
+                                        </p:cTn>
+                                        <p:tgtEl>
+                                          <p:spTgt spid="3">
+                                            <p:txEl>
+                                              <p:pRg st="2" end="2"/>
+                                            </p:txEl>
+                                          </p:spTgt>
+                                        </p:tgtEl>
+                                        <p:attrNameLst>
+                                          <p:attrName>style.visibility</p:attrName>
+                                        </p:attrNameLst>
+                                      </p:cBhvr>
+                                      <p:to>
+                                        <p:strVal val="visible"/>
+                                      </p:to>
+                                    </p:set>
+                                  </p:childTnLst>
+                                </p:cTn>
+                              </p:par>
+                            </p:childTnLst>
+                          </p:cTn>
+                        </p:par>
+                      </p:childTnLst>
+                    </p:cTn>
+                  </p:par>
+                  <p:par>
+                    <p:cTn id="11" fill="hold">
+                      <p:stCondLst>
+                        <p:cond delay="indefinite"/>
+                      </p:stCondLst>
+                      <p:childTnLst>
+                        <p:par>
+                          <p:cTn id="12" fill="hold">
+                            <p:stCondLst>
+                              <p:cond delay="0"/>
+                            </p:stCondLst>
+                            <p:childTnLst>
+                              <p:par>
+                                <p:cTn id="13" presetID="1" presetClass="entr" presetSubtype="0" fill="hold" grpId="0" nodeType="clickEffect">
+                                  <p:stCondLst>
+                                    <p:cond delay="0"/>
+                                  </p:stCondLst>
+                                  <p:childTnLst>
+                                    <p:set>
+                                      <p:cBhvr>
+                                        <p:cTn id="14" dur="1" fill="hold">
+                                          <p:stCondLst>
+                                            <p:cond delay="0"/>
+                                          </p:stCondLst>
+                                        </p:cTn>
+                                        <p:tgtEl>
+                                          <p:spTgt spid="15"/>
+                                        </p:tgtEl>
+                                        <p:attrNameLst>
+                                          <p:attrName>style.visibility</p:attrName>
+                                        </p:attrNameLst>
+                                      </p:cBhvr>
+                                      <p:to>
+                                        <p:strVal val="visible"/>
+                                      </p:to>
+                                    </p:set>
+                                  </p:childTnLst>
+                                </p:cTn>
+                              </p:par>
+                              <p:par>
+                                <p:cTn id="15" presetID="1" presetClass="entr" presetSubtype="0" fill="hold" grpId="0" nodeType="withEffect">
+                                  <p:stCondLst>
+                                    <p:cond delay="0"/>
+                                  </p:stCondLst>
+                                  <p:childTnLst>
+                                    <p:set>
+                                      <p:cBhvr>
+                                        <p:cTn id="16" dur="1" fill="hold">
+                                          <p:stCondLst>
+                                            <p:cond delay="0"/>
+                                          </p:stCondLst>
+                                        </p:cTn>
+                                        <p:tgtEl>
+                                          <p:spTgt spid="16"/>
+                                        </p:tgtEl>
+                                        <p:attrNameLst>
+                                          <p:attrName>style.visibility</p:attrName>
+                                        </p:attrNameLst>
+                                      </p:cBhvr>
+                                      <p:to>
+                                        <p:strVal val="visible"/>
+                                      </p:to>
+                                    </p:set>
+                                  </p:childTnLst>
+                                </p:cTn>
+                              </p:par>
+                              <p:par>
+                                <p:cTn id="17" presetID="1" presetClass="entr" presetSubtype="0" fill="hold" grpId="0" nodeType="withEffect">
+                                  <p:stCondLst>
+                                    <p:cond delay="0"/>
+                                  </p:stCondLst>
+                                  <p:childTnLst>
+                                    <p:set>
+                                      <p:cBhvr>
+                                        <p:cTn id="18" dur="1" fill="hold">
+                                          <p:stCondLst>
+                                            <p:cond delay="0"/>
+                                          </p:stCondLst>
+                                        </p:cTn>
+                                        <p:tgtEl>
+                                          <p:spTgt spid="5"/>
+                                        </p:tgtEl>
+                                        <p:attrNameLst>
+                                          <p:attrName>style.visibility</p:attrName>
+                                        </p:attrNameLst>
+                                      </p:cBhvr>
+                                      <p:to>
+                                        <p:strVal val="visible"/>
+                                      </p:to>
+                                    </p:set>
+                                  </p:childTnLst>
+                                </p:cTn>
+                              </p:par>
+                            </p:childTnLst>
+                          </p:cTn>
+                        </p:par>
+                      </p:childTnLst>
+                    </p:cTn>
+                  </p:par>
+                  <p:par>
+                    <p:cTn id="19" fill="hold">
+                      <p:stCondLst>
+                        <p:cond delay="indefinite"/>
+                      </p:stCondLst>
+                      <p:childTnLst>
+                        <p:par>
+                          <p:cTn id="20" fill="hold">
+                            <p:stCondLst>
+                              <p:cond delay="0"/>
+                            </p:stCondLst>
+                            <p:childTnLst>
+                              <p:par>
+                                <p:cTn id="21" presetID="1" presetClass="entr" presetSubtype="0" fill="hold" grpId="0" nodeType="clickEffect">
+                                  <p:stCondLst>
+                                    <p:cond delay="0"/>
+                                  </p:stCondLst>
+                                  <p:childTnLst>
+                                    <p:set>
+                                      <p:cBhvr>
+                                        <p:cTn id="22" dur="1" fill="hold">
+                                          <p:stCondLst>
+                                            <p:cond delay="0"/>
+                                          </p:stCondLst>
+                                        </p:cTn>
+                                        <p:tgtEl>
+                                          <p:spTgt spid="9"/>
+                                        </p:tgtEl>
+                                        <p:attrNameLst>
+                                          <p:attrName>style.visibility</p:attrName>
+                                        </p:attrNameLst>
+                                      </p:cBhvr>
+                                      <p:to>
+                                        <p:strVal val="visible"/>
+                                      </p:to>
+                                    </p:set>
+                                  </p:childTnLst>
+                                </p:cTn>
+                              </p:par>
+                            </p:childTnLst>
+                          </p:cTn>
+                        </p:par>
+                      </p:childTnLst>
+                    </p:cTn>
+                  </p:par>
+                </p:childTnLst>
+              </p:cTn>
+              <p:prevCondLst>
+                <p:cond evt="onPrev" delay="0">
+                  <p:tgtEl>
+                    <p:sldTgt/>
+                  </p:tgtEl>
+                </p:cond>
+              </p:prevCondLst>
+              <p:nextCondLst>
+                <p:cond evt="onNext" delay="0">
+                  <p:tgtEl>
+                    <p:sldTgt/>
+                  </p:tgtEl>
+                </p:cond>
+              </p:nextCondLst>
+            </p:seq>
+          </p:childTnLst>
+        </p:cTn>
+      </p:par>
+    </p:tnLst>
+    <p:bldLst>
+      <p:bldP spid="15" grpId="0" animBg="1"/>
+      <p:bldP spid="16" grpId="0" animBg="1"/>
+      <p:bldP spid="5" grpId="0" animBg="1"/>
+      <p:bldP spid="9" grpId="0"/>
+    </p:bldLst>
+  </p:timing>
 </p:sld>
 </file>
 
@@ -10844,7 +11602,7 @@
                             </p:stCondLst>
                             <p:childTnLst>
                               <p:par>
-                                <p:cTn id="5" presetID="1" presetClass="entr" presetSubtype="0" fill="hold" grpId="0" nodeType="clickEffect">
+                                <p:cTn id="5" presetID="1" presetClass="entr" presetSubtype="0" fill="hold" nodeType="clickEffect">
                                   <p:stCondLst>
                                     <p:cond delay="0"/>
                                   </p:stCondLst>
@@ -10857,7 +11615,11 @@
                                           </p:stCondLst>
                                         </p:cTn>
                                         <p:tgtEl>
-                                          <p:spTgt spid="12"/>
+                                          <p:spTgt spid="7">
+                                            <p:txEl>
+                                              <p:pRg st="0" end="0"/>
+                                            </p:txEl>
+                                          </p:spTgt>
                                         </p:tgtEl>
                                         <p:attrNameLst>
                                           <p:attrName>style.visibility</p:attrName>
@@ -10870,26 +11632,39 @@
                                   </p:childTnLst>
                                 </p:cTn>
                               </p:par>
-                            </p:childTnLst>
-                          </p:cTn>
-                        </p:par>
-                      </p:childTnLst>
-                    </p:cTn>
-                  </p:par>
-                  <p:par>
-                    <p:cTn id="7" fill="hold">
-                      <p:stCondLst>
-                        <p:cond delay="indefinite"/>
-                      </p:stCondLst>
-                      <p:childTnLst>
-                        <p:par>
-                          <p:cTn id="8" fill="hold">
-                            <p:stCondLst>
-                              <p:cond delay="0"/>
-                            </p:stCondLst>
-                            <p:childTnLst>
                               <p:par>
-                                <p:cTn id="9" presetID="1" presetClass="entr" presetSubtype="0" fill="hold" grpId="0" nodeType="clickEffect">
+                                <p:cTn id="7" presetID="1" presetClass="entr" presetSubtype="0" fill="hold" nodeType="withEffect">
+                                  <p:stCondLst>
+                                    <p:cond delay="0"/>
+                                  </p:stCondLst>
+                                  <p:childTnLst>
+                                    <p:set>
+                                      <p:cBhvr>
+                                        <p:cTn id="8" dur="1" fill="hold">
+                                          <p:stCondLst>
+                                            <p:cond delay="0"/>
+                                          </p:stCondLst>
+                                        </p:cTn>
+                                        <p:tgtEl>
+                                          <p:spTgt spid="7">
+                                            <p:txEl>
+                                              <p:pRg st="1" end="1"/>
+                                            </p:txEl>
+                                          </p:spTgt>
+                                        </p:tgtEl>
+                                        <p:attrNameLst>
+                                          <p:attrName>style.visibility</p:attrName>
+                                        </p:attrNameLst>
+                                      </p:cBhvr>
+                                      <p:to>
+                                        <p:strVal val="visible"/>
+                                      </p:to>
+                                    </p:set>
+                                  </p:childTnLst>
+                                </p:cTn>
+                              </p:par>
+                              <p:par>
+                                <p:cTn id="9" presetID="1" presetClass="entr" presetSubtype="0" fill="hold" grpId="0" nodeType="withEffect">
                                   <p:stCondLst>
                                     <p:cond delay="0"/>
                                   </p:stCondLst>
@@ -10902,7 +11677,7 @@
                                           </p:stCondLst>
                                         </p:cTn>
                                         <p:tgtEl>
-                                          <p:spTgt spid="13"/>
+                                          <p:spTgt spid="12"/>
                                         </p:tgtEl>
                                         <p:attrNameLst>
                                           <p:attrName>style.visibility</p:attrName>
@@ -10934,7 +11709,7 @@
                             </p:stCondLst>
                             <p:childTnLst>
                               <p:par>
-                                <p:cTn id="13" presetID="1" presetClass="entr" presetSubtype="0" fill="hold" grpId="0" nodeType="clickEffect">
+                                <p:cTn id="13" presetID="1" presetClass="entr" presetSubtype="0" fill="hold" nodeType="clickEffect">
                                   <p:stCondLst>
                                     <p:cond delay="0"/>
                                   </p:stCondLst>
@@ -10947,7 +11722,492 @@
                                           </p:stCondLst>
                                         </p:cTn>
                                         <p:tgtEl>
+                                          <p:spTgt spid="7">
+                                            <p:txEl>
+                                              <p:pRg st="2" end="2"/>
+                                            </p:txEl>
+                                          </p:spTgt>
+                                        </p:tgtEl>
+                                        <p:attrNameLst>
+                                          <p:attrName>style.visibility</p:attrName>
+                                        </p:attrNameLst>
+                                      </p:cBhvr>
+                                      <p:to>
+                                        <p:strVal val="visible"/>
+                                      </p:to>
+                                    </p:set>
+                                  </p:childTnLst>
+                                </p:cTn>
+                              </p:par>
+                              <p:par>
+                                <p:cTn id="15" presetID="1" presetClass="entr" presetSubtype="0" fill="hold" nodeType="withEffect">
+                                  <p:stCondLst>
+                                    <p:cond delay="0"/>
+                                  </p:stCondLst>
+                                  <p:childTnLst>
+                                    <p:set>
+                                      <p:cBhvr>
+                                        <p:cTn id="16" dur="1" fill="hold">
+                                          <p:stCondLst>
+                                            <p:cond delay="0"/>
+                                          </p:stCondLst>
+                                        </p:cTn>
+                                        <p:tgtEl>
+                                          <p:spTgt spid="7">
+                                            <p:txEl>
+                                              <p:pRg st="3" end="3"/>
+                                            </p:txEl>
+                                          </p:spTgt>
+                                        </p:tgtEl>
+                                        <p:attrNameLst>
+                                          <p:attrName>style.visibility</p:attrName>
+                                        </p:attrNameLst>
+                                      </p:cBhvr>
+                                      <p:to>
+                                        <p:strVal val="visible"/>
+                                      </p:to>
+                                    </p:set>
+                                  </p:childTnLst>
+                                </p:cTn>
+                              </p:par>
+                              <p:par>
+                                <p:cTn id="17" presetID="1" presetClass="entr" presetSubtype="0" fill="hold" nodeType="withEffect">
+                                  <p:stCondLst>
+                                    <p:cond delay="0"/>
+                                  </p:stCondLst>
+                                  <p:childTnLst>
+                                    <p:set>
+                                      <p:cBhvr>
+                                        <p:cTn id="18" dur="1" fill="hold">
+                                          <p:stCondLst>
+                                            <p:cond delay="0"/>
+                                          </p:stCondLst>
+                                        </p:cTn>
+                                        <p:tgtEl>
+                                          <p:spTgt spid="7">
+                                            <p:txEl>
+                                              <p:pRg st="4" end="4"/>
+                                            </p:txEl>
+                                          </p:spTgt>
+                                        </p:tgtEl>
+                                        <p:attrNameLst>
+                                          <p:attrName>style.visibility</p:attrName>
+                                        </p:attrNameLst>
+                                      </p:cBhvr>
+                                      <p:to>
+                                        <p:strVal val="visible"/>
+                                      </p:to>
+                                    </p:set>
+                                  </p:childTnLst>
+                                </p:cTn>
+                              </p:par>
+                              <p:par>
+                                <p:cTn id="19" presetID="1" presetClass="entr" presetSubtype="0" fill="hold" grpId="0" nodeType="withEffect">
+                                  <p:stCondLst>
+                                    <p:cond delay="0"/>
+                                  </p:stCondLst>
+                                  <p:childTnLst>
+                                    <p:set>
+                                      <p:cBhvr>
+                                        <p:cTn id="20" dur="1" fill="hold">
+                                          <p:stCondLst>
+                                            <p:cond delay="0"/>
+                                          </p:stCondLst>
+                                        </p:cTn>
+                                        <p:tgtEl>
+                                          <p:spTgt spid="13"/>
+                                        </p:tgtEl>
+                                        <p:attrNameLst>
+                                          <p:attrName>style.visibility</p:attrName>
+                                        </p:attrNameLst>
+                                      </p:cBhvr>
+                                      <p:to>
+                                        <p:strVal val="visible"/>
+                                      </p:to>
+                                    </p:set>
+                                  </p:childTnLst>
+                                </p:cTn>
+                              </p:par>
+                            </p:childTnLst>
+                          </p:cTn>
+                        </p:par>
+                      </p:childTnLst>
+                    </p:cTn>
+                  </p:par>
+                  <p:par>
+                    <p:cTn id="21" fill="hold">
+                      <p:stCondLst>
+                        <p:cond delay="indefinite"/>
+                      </p:stCondLst>
+                      <p:childTnLst>
+                        <p:par>
+                          <p:cTn id="22" fill="hold">
+                            <p:stCondLst>
+                              <p:cond delay="0"/>
+                            </p:stCondLst>
+                            <p:childTnLst>
+                              <p:par>
+                                <p:cTn id="23" presetID="1" presetClass="entr" presetSubtype="0" fill="hold" nodeType="clickEffect">
+                                  <p:stCondLst>
+                                    <p:cond delay="0"/>
+                                  </p:stCondLst>
+                                  <p:childTnLst>
+                                    <p:set>
+                                      <p:cBhvr>
+                                        <p:cTn id="24" dur="1" fill="hold">
+                                          <p:stCondLst>
+                                            <p:cond delay="0"/>
+                                          </p:stCondLst>
+                                        </p:cTn>
+                                        <p:tgtEl>
+                                          <p:spTgt spid="7">
+                                            <p:txEl>
+                                              <p:pRg st="5" end="5"/>
+                                            </p:txEl>
+                                          </p:spTgt>
+                                        </p:tgtEl>
+                                        <p:attrNameLst>
+                                          <p:attrName>style.visibility</p:attrName>
+                                        </p:attrNameLst>
+                                      </p:cBhvr>
+                                      <p:to>
+                                        <p:strVal val="visible"/>
+                                      </p:to>
+                                    </p:set>
+                                  </p:childTnLst>
+                                </p:cTn>
+                              </p:par>
+                            </p:childTnLst>
+                          </p:cTn>
+                        </p:par>
+                      </p:childTnLst>
+                    </p:cTn>
+                  </p:par>
+                  <p:par>
+                    <p:cTn id="25" fill="hold">
+                      <p:stCondLst>
+                        <p:cond delay="indefinite"/>
+                      </p:stCondLst>
+                      <p:childTnLst>
+                        <p:par>
+                          <p:cTn id="26" fill="hold">
+                            <p:stCondLst>
+                              <p:cond delay="0"/>
+                            </p:stCondLst>
+                            <p:childTnLst>
+                              <p:par>
+                                <p:cTn id="27" presetID="1" presetClass="entr" presetSubtype="0" fill="hold" nodeType="clickEffect">
+                                  <p:stCondLst>
+                                    <p:cond delay="0"/>
+                                  </p:stCondLst>
+                                  <p:childTnLst>
+                                    <p:set>
+                                      <p:cBhvr>
+                                        <p:cTn id="28" dur="1" fill="hold">
+                                          <p:stCondLst>
+                                            <p:cond delay="0"/>
+                                          </p:stCondLst>
+                                        </p:cTn>
+                                        <p:tgtEl>
+                                          <p:spTgt spid="7">
+                                            <p:txEl>
+                                              <p:pRg st="6" end="6"/>
+                                            </p:txEl>
+                                          </p:spTgt>
+                                        </p:tgtEl>
+                                        <p:attrNameLst>
+                                          <p:attrName>style.visibility</p:attrName>
+                                        </p:attrNameLst>
+                                      </p:cBhvr>
+                                      <p:to>
+                                        <p:strVal val="visible"/>
+                                      </p:to>
+                                    </p:set>
+                                  </p:childTnLst>
+                                </p:cTn>
+                              </p:par>
+                              <p:par>
+                                <p:cTn id="29" presetID="1" presetClass="entr" presetSubtype="0" fill="hold" nodeType="withEffect">
+                                  <p:stCondLst>
+                                    <p:cond delay="0"/>
+                                  </p:stCondLst>
+                                  <p:childTnLst>
+                                    <p:set>
+                                      <p:cBhvr>
+                                        <p:cTn id="30" dur="1" fill="hold">
+                                          <p:stCondLst>
+                                            <p:cond delay="0"/>
+                                          </p:stCondLst>
+                                        </p:cTn>
+                                        <p:tgtEl>
+                                          <p:spTgt spid="7">
+                                            <p:txEl>
+                                              <p:pRg st="7" end="7"/>
+                                            </p:txEl>
+                                          </p:spTgt>
+                                        </p:tgtEl>
+                                        <p:attrNameLst>
+                                          <p:attrName>style.visibility</p:attrName>
+                                        </p:attrNameLst>
+                                      </p:cBhvr>
+                                      <p:to>
+                                        <p:strVal val="visible"/>
+                                      </p:to>
+                                    </p:set>
+                                  </p:childTnLst>
+                                </p:cTn>
+                              </p:par>
+                              <p:par>
+                                <p:cTn id="31" presetID="1" presetClass="entr" presetSubtype="0" fill="hold" nodeType="withEffect">
+                                  <p:stCondLst>
+                                    <p:cond delay="0"/>
+                                  </p:stCondLst>
+                                  <p:childTnLst>
+                                    <p:set>
+                                      <p:cBhvr>
+                                        <p:cTn id="32" dur="1" fill="hold">
+                                          <p:stCondLst>
+                                            <p:cond delay="0"/>
+                                          </p:stCondLst>
+                                        </p:cTn>
+                                        <p:tgtEl>
+                                          <p:spTgt spid="7">
+                                            <p:txEl>
+                                              <p:pRg st="8" end="8"/>
+                                            </p:txEl>
+                                          </p:spTgt>
+                                        </p:tgtEl>
+                                        <p:attrNameLst>
+                                          <p:attrName>style.visibility</p:attrName>
+                                        </p:attrNameLst>
+                                      </p:cBhvr>
+                                      <p:to>
+                                        <p:strVal val="visible"/>
+                                      </p:to>
+                                    </p:set>
+                                  </p:childTnLst>
+                                </p:cTn>
+                              </p:par>
+                              <p:par>
+                                <p:cTn id="33" presetID="1" presetClass="entr" presetSubtype="0" fill="hold" nodeType="withEffect">
+                                  <p:stCondLst>
+                                    <p:cond delay="0"/>
+                                  </p:stCondLst>
+                                  <p:childTnLst>
+                                    <p:set>
+                                      <p:cBhvr>
+                                        <p:cTn id="34" dur="1" fill="hold">
+                                          <p:stCondLst>
+                                            <p:cond delay="0"/>
+                                          </p:stCondLst>
+                                        </p:cTn>
+                                        <p:tgtEl>
+                                          <p:spTgt spid="7">
+                                            <p:txEl>
+                                              <p:pRg st="9" end="9"/>
+                                            </p:txEl>
+                                          </p:spTgt>
+                                        </p:tgtEl>
+                                        <p:attrNameLst>
+                                          <p:attrName>style.visibility</p:attrName>
+                                        </p:attrNameLst>
+                                      </p:cBhvr>
+                                      <p:to>
+                                        <p:strVal val="visible"/>
+                                      </p:to>
+                                    </p:set>
+                                  </p:childTnLst>
+                                </p:cTn>
+                              </p:par>
+                              <p:par>
+                                <p:cTn id="35" presetID="1" presetClass="entr" presetSubtype="0" fill="hold" nodeType="withEffect">
+                                  <p:stCondLst>
+                                    <p:cond delay="0"/>
+                                  </p:stCondLst>
+                                  <p:childTnLst>
+                                    <p:set>
+                                      <p:cBhvr>
+                                        <p:cTn id="36" dur="1" fill="hold">
+                                          <p:stCondLst>
+                                            <p:cond delay="0"/>
+                                          </p:stCondLst>
+                                        </p:cTn>
+                                        <p:tgtEl>
+                                          <p:spTgt spid="7">
+                                            <p:txEl>
+                                              <p:pRg st="10" end="10"/>
+                                            </p:txEl>
+                                          </p:spTgt>
+                                        </p:tgtEl>
+                                        <p:attrNameLst>
+                                          <p:attrName>style.visibility</p:attrName>
+                                        </p:attrNameLst>
+                                      </p:cBhvr>
+                                      <p:to>
+                                        <p:strVal val="visible"/>
+                                      </p:to>
+                                    </p:set>
+                                  </p:childTnLst>
+                                </p:cTn>
+                              </p:par>
+                              <p:par>
+                                <p:cTn id="37" presetID="1" presetClass="entr" presetSubtype="0" fill="hold" nodeType="withEffect">
+                                  <p:stCondLst>
+                                    <p:cond delay="0"/>
+                                  </p:stCondLst>
+                                  <p:childTnLst>
+                                    <p:set>
+                                      <p:cBhvr>
+                                        <p:cTn id="38" dur="1" fill="hold">
+                                          <p:stCondLst>
+                                            <p:cond delay="0"/>
+                                          </p:stCondLst>
+                                        </p:cTn>
+                                        <p:tgtEl>
+                                          <p:spTgt spid="7">
+                                            <p:txEl>
+                                              <p:pRg st="11" end="11"/>
+                                            </p:txEl>
+                                          </p:spTgt>
+                                        </p:tgtEl>
+                                        <p:attrNameLst>
+                                          <p:attrName>style.visibility</p:attrName>
+                                        </p:attrNameLst>
+                                      </p:cBhvr>
+                                      <p:to>
+                                        <p:strVal val="visible"/>
+                                      </p:to>
+                                    </p:set>
+                                  </p:childTnLst>
+                                </p:cTn>
+                              </p:par>
+                            </p:childTnLst>
+                          </p:cTn>
+                        </p:par>
+                      </p:childTnLst>
+                    </p:cTn>
+                  </p:par>
+                  <p:par>
+                    <p:cTn id="39" fill="hold">
+                      <p:stCondLst>
+                        <p:cond delay="indefinite"/>
+                      </p:stCondLst>
+                      <p:childTnLst>
+                        <p:par>
+                          <p:cTn id="40" fill="hold">
+                            <p:stCondLst>
+                              <p:cond delay="0"/>
+                            </p:stCondLst>
+                            <p:childTnLst>
+                              <p:par>
+                                <p:cTn id="41" presetID="1" presetClass="entr" presetSubtype="0" fill="hold" grpId="0" nodeType="clickEffect">
+                                  <p:stCondLst>
+                                    <p:cond delay="0"/>
+                                  </p:stCondLst>
+                                  <p:childTnLst>
+                                    <p:set>
+                                      <p:cBhvr>
+                                        <p:cTn id="42" dur="1" fill="hold">
+                                          <p:stCondLst>
+                                            <p:cond delay="0"/>
+                                          </p:stCondLst>
+                                        </p:cTn>
+                                        <p:tgtEl>
                                           <p:spTgt spid="14"/>
+                                        </p:tgtEl>
+                                        <p:attrNameLst>
+                                          <p:attrName>style.visibility</p:attrName>
+                                        </p:attrNameLst>
+                                      </p:cBhvr>
+                                      <p:to>
+                                        <p:strVal val="visible"/>
+                                      </p:to>
+                                    </p:set>
+                                  </p:childTnLst>
+                                </p:cTn>
+                              </p:par>
+                            </p:childTnLst>
+                          </p:cTn>
+                        </p:par>
+                      </p:childTnLst>
+                    </p:cTn>
+                  </p:par>
+                  <p:par>
+                    <p:cTn id="43" fill="hold">
+                      <p:stCondLst>
+                        <p:cond delay="indefinite"/>
+                      </p:stCondLst>
+                      <p:childTnLst>
+                        <p:par>
+                          <p:cTn id="44" fill="hold">
+                            <p:stCondLst>
+                              <p:cond delay="0"/>
+                            </p:stCondLst>
+                            <p:childTnLst>
+                              <p:par>
+                                <p:cTn id="45" presetID="1" presetClass="entr" presetSubtype="0" fill="hold" nodeType="clickEffect">
+                                  <p:stCondLst>
+                                    <p:cond delay="0"/>
+                                  </p:stCondLst>
+                                  <p:childTnLst>
+                                    <p:set>
+                                      <p:cBhvr>
+                                        <p:cTn id="46" dur="1" fill="hold">
+                                          <p:stCondLst>
+                                            <p:cond delay="0"/>
+                                          </p:stCondLst>
+                                        </p:cTn>
+                                        <p:tgtEl>
+                                          <p:spTgt spid="7">
+                                            <p:txEl>
+                                              <p:pRg st="13" end="13"/>
+                                            </p:txEl>
+                                          </p:spTgt>
+                                        </p:tgtEl>
+                                        <p:attrNameLst>
+                                          <p:attrName>style.visibility</p:attrName>
+                                        </p:attrNameLst>
+                                      </p:cBhvr>
+                                      <p:to>
+                                        <p:strVal val="visible"/>
+                                      </p:to>
+                                    </p:set>
+                                  </p:childTnLst>
+                                </p:cTn>
+                              </p:par>
+                            </p:childTnLst>
+                          </p:cTn>
+                        </p:par>
+                      </p:childTnLst>
+                    </p:cTn>
+                  </p:par>
+                  <p:par>
+                    <p:cTn id="47" fill="hold">
+                      <p:stCondLst>
+                        <p:cond delay="indefinite"/>
+                      </p:stCondLst>
+                      <p:childTnLst>
+                        <p:par>
+                          <p:cTn id="48" fill="hold">
+                            <p:stCondLst>
+                              <p:cond delay="0"/>
+                            </p:stCondLst>
+                            <p:childTnLst>
+                              <p:par>
+                                <p:cTn id="49" presetID="1" presetClass="entr" presetSubtype="0" fill="hold" grpId="0" nodeType="clickEffect">
+                                  <p:stCondLst>
+                                    <p:cond delay="0"/>
+                                  </p:stCondLst>
+                                  <p:childTnLst>
+                                    <p:set>
+                                      <p:cBhvr>
+                                        <p:cTn id="50" dur="1" fill="hold">
+                                          <p:stCondLst>
+                                            <p:cond delay="0"/>
+                                          </p:stCondLst>
+                                        </p:cTn>
+                                        <p:tgtEl>
+                                          <p:spTgt spid="10"/>
                                         </p:tgtEl>
                                         <p:attrNameLst>
                                           <p:attrName>style.visibility</p:attrName>
@@ -10991,6 +12251,7 @@
       <p:bldP spid="12" grpId="0" animBg="1"/>
       <p:bldP spid="13" grpId="0" animBg="1"/>
       <p:bldP spid="14" grpId="0" animBg="1"/>
+      <p:bldP spid="10" grpId="0"/>
     </p:bldLst>
   </p:timing>
 </p:sld>
@@ -11236,6 +12497,137 @@
   <p:clrMapOvr>
     <a:masterClrMapping/>
   </p:clrMapOvr>
+  <p:timing>
+    <p:tnLst>
+      <p:par>
+        <p:cTn id="1" dur="indefinite" restart="never" nodeType="tmRoot">
+          <p:childTnLst>
+            <p:seq concurrent="1" nextAc="seek">
+              <p:cTn id="2" dur="indefinite" nodeType="mainSeq">
+                <p:childTnLst>
+                  <p:par>
+                    <p:cTn id="3" fill="hold">
+                      <p:stCondLst>
+                        <p:cond delay="indefinite"/>
+                        <p:cond evt="onBegin" delay="0">
+                          <p:tn val="2"/>
+                        </p:cond>
+                      </p:stCondLst>
+                      <p:childTnLst>
+                        <p:par>
+                          <p:cTn id="4" fill="hold">
+                            <p:stCondLst>
+                              <p:cond delay="0"/>
+                            </p:stCondLst>
+                            <p:childTnLst>
+                              <p:par>
+                                <p:cTn id="5" presetID="1" presetClass="entr" presetSubtype="0" fill="hold" nodeType="withEffect">
+                                  <p:stCondLst>
+                                    <p:cond delay="0"/>
+                                  </p:stCondLst>
+                                  <p:childTnLst>
+                                    <p:set>
+                                      <p:cBhvr>
+                                        <p:cTn id="6" dur="1" fill="hold">
+                                          <p:stCondLst>
+                                            <p:cond delay="0"/>
+                                          </p:stCondLst>
+                                        </p:cTn>
+                                        <p:tgtEl>
+                                          <p:spTgt spid="5">
+                                            <p:txEl>
+                                              <p:pRg st="0" end="0"/>
+                                            </p:txEl>
+                                          </p:spTgt>
+                                        </p:tgtEl>
+                                        <p:attrNameLst>
+                                          <p:attrName>style.visibility</p:attrName>
+                                        </p:attrNameLst>
+                                      </p:cBhvr>
+                                      <p:to>
+                                        <p:strVal val="visible"/>
+                                      </p:to>
+                                    </p:set>
+                                  </p:childTnLst>
+                                </p:cTn>
+                              </p:par>
+                            </p:childTnLst>
+                          </p:cTn>
+                        </p:par>
+                      </p:childTnLst>
+                    </p:cTn>
+                  </p:par>
+                  <p:par>
+                    <p:cTn id="7" fill="hold">
+                      <p:stCondLst>
+                        <p:cond delay="indefinite"/>
+                      </p:stCondLst>
+                      <p:childTnLst>
+                        <p:par>
+                          <p:cTn id="8" fill="hold">
+                            <p:stCondLst>
+                              <p:cond delay="0"/>
+                            </p:stCondLst>
+                            <p:childTnLst>
+                              <p:par>
+                                <p:cTn id="9" presetID="1" presetClass="entr" presetSubtype="0" fill="hold" nodeType="clickEffect">
+                                  <p:stCondLst>
+                                    <p:cond delay="0"/>
+                                  </p:stCondLst>
+                                  <p:childTnLst>
+                                    <p:set>
+                                      <p:cBhvr>
+                                        <p:cTn id="10" dur="1" fill="hold">
+                                          <p:stCondLst>
+                                            <p:cond delay="0"/>
+                                          </p:stCondLst>
+                                        </p:cTn>
+                                        <p:tgtEl>
+                                          <p:spTgt spid="5">
+                                            <p:txEl>
+                                              <p:pRg st="1" end="1"/>
+                                            </p:txEl>
+                                          </p:spTgt>
+                                        </p:tgtEl>
+                                        <p:attrNameLst>
+                                          <p:attrName>style.visibility</p:attrName>
+                                        </p:attrNameLst>
+                                      </p:cBhvr>
+                                      <p:to>
+                                        <p:strVal val="visible"/>
+                                      </p:to>
+                                    </p:set>
+                                  </p:childTnLst>
+                                </p:cTn>
+                              </p:par>
+                            </p:childTnLst>
+                          </p:cTn>
+                        </p:par>
+                      </p:childTnLst>
+                    </p:cTn>
+                  </p:par>
+                </p:childTnLst>
+              </p:cTn>
+              <p:prevCondLst>
+                <p:cond evt="onPrev" delay="0">
+                  <p:tgtEl>
+                    <p:sldTgt/>
+                  </p:tgtEl>
+                </p:cond>
+              </p:prevCondLst>
+              <p:nextCondLst>
+                <p:cond evt="onNext" delay="0">
+                  <p:tgtEl>
+                    <p:sldTgt/>
+                  </p:tgtEl>
+                </p:cond>
+              </p:nextCondLst>
+            </p:seq>
+          </p:childTnLst>
+        </p:cTn>
+      </p:par>
+    </p:tnLst>
+  </p:timing>
 </p:sld>
 </file>
 
